--- a/presentation/発表構成.pptx
+++ b/presentation/発表構成.pptx
@@ -593,6 +593,90 @@
 </file>
 
 <file path=ppt/notesSlides/notesSlide2.xml><?xml version="1.0" encoding="utf-8"?>
+<p:notes xmlns:a="http://schemas.openxmlformats.org/drawingml/2006/main" xmlns:r="http://schemas.openxmlformats.org/officeDocument/2006/relationships" xmlns:p="http://schemas.openxmlformats.org/presentationml/2006/main">
+  <p:cSld>
+    <p:spTree>
+      <p:nvGrpSpPr>
+        <p:cNvPr id="1" name=""/>
+        <p:cNvGrpSpPr/>
+        <p:nvPr/>
+      </p:nvGrpSpPr>
+      <p:grpSpPr>
+        <a:xfrm>
+          <a:off x="0" y="0"/>
+          <a:ext cx="0" cy="0"/>
+          <a:chOff x="0" y="0"/>
+          <a:chExt cx="0" cy="0"/>
+        </a:xfrm>
+      </p:grpSpPr>
+      <p:sp>
+        <p:nvSpPr>
+          <p:cNvPr id="2" name="スライド イメージ プレースホルダー 1"/>
+          <p:cNvSpPr>
+            <a:spLocks noGrp="1" noRot="1" noChangeAspect="1"/>
+          </p:cNvSpPr>
+          <p:nvPr>
+            <p:ph type="sldImg"/>
+          </p:nvPr>
+        </p:nvSpPr>
+        <p:spPr/>
+      </p:sp>
+      <p:sp>
+        <p:nvSpPr>
+          <p:cNvPr id="3" name="ノート プレースホルダー 2"/>
+          <p:cNvSpPr>
+            <a:spLocks noGrp="1"/>
+          </p:cNvSpPr>
+          <p:nvPr>
+            <p:ph type="body" idx="1"/>
+          </p:nvPr>
+        </p:nvSpPr>
+        <p:spPr/>
+        <p:txBody>
+          <a:bodyPr/>
+          <a:lstStyle/>
+          <a:p>
+            <a:endParaRPr kumimoji="1" lang="ja-JP" altLang="en-US" dirty="0"/>
+          </a:p>
+        </p:txBody>
+      </p:sp>
+      <p:sp>
+        <p:nvSpPr>
+          <p:cNvPr id="4" name="スライド番号プレースホルダー 3"/>
+          <p:cNvSpPr>
+            <a:spLocks noGrp="1"/>
+          </p:cNvSpPr>
+          <p:nvPr>
+            <p:ph type="sldNum" sz="quarter" idx="5"/>
+          </p:nvPr>
+        </p:nvSpPr>
+        <p:spPr/>
+        <p:txBody>
+          <a:bodyPr/>
+          <a:lstStyle/>
+          <a:p>
+            <a:fld id="{B5387D4E-F6F2-4E27-8847-B1CEF8759CE6}" type="slidenum">
+              <a:rPr kumimoji="1" lang="ja-JP" altLang="en-US" smtClean="0"/>
+              <a:t>6</a:t>
+            </a:fld>
+            <a:endParaRPr kumimoji="1" lang="ja-JP" altLang="en-US"/>
+          </a:p>
+        </p:txBody>
+      </p:sp>
+    </p:spTree>
+    <p:extLst>
+      <p:ext uri="{BB962C8B-B14F-4D97-AF65-F5344CB8AC3E}">
+        <p14:creationId xmlns:p14="http://schemas.microsoft.com/office/powerpoint/2010/main" val="1945561225"/>
+      </p:ext>
+    </p:extLst>
+  </p:cSld>
+  <p:clrMapOvr>
+    <a:masterClrMapping/>
+  </p:clrMapOvr>
+</p:notes>
+</file>
+
+<file path=ppt/notesSlides/notesSlide3.xml><?xml version="1.0" encoding="utf-8"?>
 <p:notes xmlns:a="http://schemas.openxmlformats.org/drawingml/2006/main" xmlns:r="http://schemas.openxmlformats.org/officeDocument/2006/relationships" xmlns:p="http://schemas.openxmlformats.org/presentationml/2006/main">
   <p:cSld>
     <p:spTree>
@@ -10339,7 +10423,7 @@
           <p:nvPr/>
         </p:nvPicPr>
         <p:blipFill>
-          <a:blip r:embed="rId2"/>
+          <a:blip r:embed="rId3"/>
           <a:stretch>
             <a:fillRect/>
           </a:stretch>

--- a/presentation/発表構成.pptx
+++ b/presentation/発表構成.pptx
@@ -206,7 +206,7 @@
           <a:p>
             <a:fld id="{BA9E2A9D-3A22-421B-9588-4C6B9A462ECD}" type="datetimeFigureOut">
               <a:rPr kumimoji="1" lang="ja-JP" altLang="en-US" smtClean="0"/>
-              <a:t>2020/7/24</a:t>
+              <a:t>2020/7/27</a:t>
             </a:fld>
             <a:endParaRPr kumimoji="1" lang="ja-JP" altLang="en-US"/>
           </a:p>
@@ -914,7 +914,7 @@
           <a:p>
             <a:fld id="{1B56B041-89F4-4AD5-9596-1D3777940B6C}" type="datetimeFigureOut">
               <a:rPr kumimoji="1" lang="ja-JP" altLang="en-US" smtClean="0"/>
-              <a:t>2020/7/23</a:t>
+              <a:t>2020/7/27</a:t>
             </a:fld>
             <a:endParaRPr kumimoji="1" lang="ja-JP" altLang="en-US"/>
           </a:p>
@@ -1144,7 +1144,7 @@
           <a:p>
             <a:fld id="{1B56B041-89F4-4AD5-9596-1D3777940B6C}" type="datetimeFigureOut">
               <a:rPr kumimoji="1" lang="ja-JP" altLang="en-US" smtClean="0"/>
-              <a:t>2020/7/23</a:t>
+              <a:t>2020/7/27</a:t>
             </a:fld>
             <a:endParaRPr kumimoji="1" lang="ja-JP" altLang="en-US"/>
           </a:p>
@@ -1384,7 +1384,7 @@
           <a:p>
             <a:fld id="{1B56B041-89F4-4AD5-9596-1D3777940B6C}" type="datetimeFigureOut">
               <a:rPr kumimoji="1" lang="ja-JP" altLang="en-US" smtClean="0"/>
-              <a:t>2020/7/23</a:t>
+              <a:t>2020/7/27</a:t>
             </a:fld>
             <a:endParaRPr kumimoji="1" lang="ja-JP" altLang="en-US"/>
           </a:p>
@@ -1525,7 +1525,7 @@
           <a:p>
             <a:fld id="{1B56B041-89F4-4AD5-9596-1D3777940B6C}" type="datetimeFigureOut">
               <a:rPr kumimoji="1" lang="ja-JP" altLang="en-US" smtClean="0"/>
-              <a:t>2020/7/23</a:t>
+              <a:t>2020/7/27</a:t>
             </a:fld>
             <a:endParaRPr kumimoji="1" lang="ja-JP" altLang="en-US"/>
           </a:p>
@@ -1666,7 +1666,7 @@
           <a:p>
             <a:fld id="{1B56B041-89F4-4AD5-9596-1D3777940B6C}" type="datetimeFigureOut">
               <a:rPr kumimoji="1" lang="ja-JP" altLang="en-US" smtClean="0"/>
-              <a:t>2020/7/23</a:t>
+              <a:t>2020/7/27</a:t>
             </a:fld>
             <a:endParaRPr kumimoji="1" lang="ja-JP" altLang="en-US"/>
           </a:p>
@@ -1900,7 +1900,7 @@
           <a:p>
             <a:fld id="{1B56B041-89F4-4AD5-9596-1D3777940B6C}" type="datetimeFigureOut">
               <a:rPr kumimoji="1" lang="ja-JP" altLang="en-US" smtClean="0"/>
-              <a:t>2020/7/23</a:t>
+              <a:t>2020/7/27</a:t>
             </a:fld>
             <a:endParaRPr kumimoji="1" lang="ja-JP" altLang="en-US"/>
           </a:p>
@@ -2216,7 +2216,7 @@
           <a:p>
             <a:fld id="{1B56B041-89F4-4AD5-9596-1D3777940B6C}" type="datetimeFigureOut">
               <a:rPr kumimoji="1" lang="ja-JP" altLang="en-US" smtClean="0"/>
-              <a:t>2020/7/23</a:t>
+              <a:t>2020/7/27</a:t>
             </a:fld>
             <a:endParaRPr kumimoji="1" lang="ja-JP" altLang="en-US"/>
           </a:p>
@@ -2545,7 +2545,7 @@
           <a:p>
             <a:fld id="{1B56B041-89F4-4AD5-9596-1D3777940B6C}" type="datetimeFigureOut">
               <a:rPr kumimoji="1" lang="ja-JP" altLang="en-US" smtClean="0"/>
-              <a:t>2020/7/23</a:t>
+              <a:t>2020/7/27</a:t>
             </a:fld>
             <a:endParaRPr kumimoji="1" lang="ja-JP" altLang="en-US"/>
           </a:p>
@@ -3021,7 +3021,7 @@
           <a:p>
             <a:fld id="{1B56B041-89F4-4AD5-9596-1D3777940B6C}" type="datetimeFigureOut">
               <a:rPr kumimoji="1" lang="ja-JP" altLang="en-US" smtClean="0"/>
-              <a:t>2020/7/23</a:t>
+              <a:t>2020/7/27</a:t>
             </a:fld>
             <a:endParaRPr kumimoji="1" lang="ja-JP" altLang="en-US"/>
           </a:p>
@@ -3167,7 +3167,7 @@
           <a:p>
             <a:fld id="{1B56B041-89F4-4AD5-9596-1D3777940B6C}" type="datetimeFigureOut">
               <a:rPr kumimoji="1" lang="ja-JP" altLang="en-US" smtClean="0"/>
-              <a:t>2020/7/23</a:t>
+              <a:t>2020/7/27</a:t>
             </a:fld>
             <a:endParaRPr kumimoji="1" lang="ja-JP" altLang="en-US"/>
           </a:p>
@@ -3334,7 +3334,7 @@
           <a:p>
             <a:fld id="{1B56B041-89F4-4AD5-9596-1D3777940B6C}" type="datetimeFigureOut">
               <a:rPr kumimoji="1" lang="ja-JP" altLang="en-US" smtClean="0"/>
-              <a:t>2020/7/23</a:t>
+              <a:t>2020/7/27</a:t>
             </a:fld>
             <a:endParaRPr kumimoji="1" lang="ja-JP" altLang="en-US"/>
           </a:p>
@@ -3677,7 +3677,7 @@
           <a:p>
             <a:fld id="{1B56B041-89F4-4AD5-9596-1D3777940B6C}" type="datetimeFigureOut">
               <a:rPr kumimoji="1" lang="ja-JP" altLang="en-US" smtClean="0"/>
-              <a:t>2020/7/23</a:t>
+              <a:t>2020/7/27</a:t>
             </a:fld>
             <a:endParaRPr kumimoji="1" lang="ja-JP" altLang="en-US"/>
           </a:p>
@@ -3965,7 +3965,7 @@
           <a:p>
             <a:fld id="{1B56B041-89F4-4AD5-9596-1D3777940B6C}" type="datetimeFigureOut">
               <a:rPr kumimoji="1" lang="ja-JP" altLang="en-US" smtClean="0"/>
-              <a:t>2020/7/23</a:t>
+              <a:t>2020/7/27</a:t>
             </a:fld>
             <a:endParaRPr kumimoji="1" lang="ja-JP" altLang="en-US"/>
           </a:p>
@@ -4238,7 +4238,7 @@
           <a:p>
             <a:fld id="{1B56B041-89F4-4AD5-9596-1D3777940B6C}" type="datetimeFigureOut">
               <a:rPr kumimoji="1" lang="ja-JP" altLang="en-US" smtClean="0"/>
-              <a:t>2020/7/23</a:t>
+              <a:t>2020/7/27</a:t>
             </a:fld>
             <a:endParaRPr kumimoji="1" lang="ja-JP" altLang="en-US"/>
           </a:p>
@@ -11068,8 +11068,8 @@
           <a:p>
             <a:pPr algn="ctr"/>
             <a:r>
-              <a:rPr lang="en-US" altLang="ja-JP" sz="1200" b="1" dirty="0"/>
-              <a:t>DF</a:t>
+              <a:rPr lang="en-US" altLang="ja-JP" sz="1200" b="1" dirty="0" err="1"/>
+              <a:t>DFProperty</a:t>
             </a:r>
             <a:endParaRPr kumimoji="1" lang="ja-JP" altLang="en-US" sz="1200" dirty="0"/>
           </a:p>
@@ -11187,7 +11187,7 @@
             <a:pPr algn="ctr"/>
             <a:r>
               <a:rPr lang="en-US" altLang="ja-JP" sz="1200" b="1" dirty="0" err="1"/>
-              <a:t>DFTokyo</a:t>
+              <a:t>DFCity</a:t>
             </a:r>
             <a:endParaRPr kumimoji="1" lang="ja-JP" altLang="en-US" sz="1200" dirty="0"/>
           </a:p>
@@ -11389,8 +11389,8 @@
           <a:p>
             <a:pPr algn="ctr"/>
             <a:r>
-              <a:rPr lang="en-US" altLang="ja-JP" sz="1200" b="1" dirty="0"/>
-              <a:t>DF</a:t>
+              <a:rPr lang="en-US" altLang="ja-JP" sz="1200" b="1" dirty="0" err="1"/>
+              <a:t>DFPSt</a:t>
             </a:r>
             <a:endParaRPr kumimoji="1" lang="ja-JP" altLang="en-US" sz="1200" dirty="0"/>
           </a:p>
@@ -11543,8 +11543,8 @@
           <a:p>
             <a:pPr algn="ctr"/>
             <a:r>
-              <a:rPr lang="en-US" altLang="ja-JP" sz="1200" b="1" dirty="0"/>
-              <a:t>DFP</a:t>
+              <a:rPr lang="en-US" altLang="ja-JP" sz="1200" b="1" dirty="0" err="1"/>
+              <a:t>DFAll</a:t>
             </a:r>
             <a:endParaRPr kumimoji="1" lang="ja-JP" altLang="en-US" sz="1200" dirty="0"/>
           </a:p>
